--- a/generated_pptx/IA_Report_Petty_Cash_Controls.pptx
+++ b/generated_pptx/IA_Report_Petty_Cash_Controls.pptx
@@ -3389,7 +3389,7 @@
             </a:pPr>
             <a:r>
               <a:rPr/>
-              <a:t>Title Slide</a:t>
+              <a:t>Audit of Operational Petty Cash Management</a:t>
             </a:r>
           </a:p>
         </p:txBody>
@@ -3416,41 +3416,26 @@
           <a:lstStyle/>
           <a:p>
             <a:pPr lvl="0" indent="0" marL="0">
+              <a:spcBef>
+                <a:spcPts val="3000"/>
+              </a:spcBef>
               <a:buNone/>
             </a:pPr>
             <a:r>
               <a:rPr b="1"/>
-              <a:t>Report:</a:t>
-            </a:r>
-            <a:r>
-              <a:rPr/>
-              <a:t> Petty Cash and Miscellaneous Fund Controls Audit</a:t>
+              <a:t>Regional Branch Operations</a:t>
             </a:r>
           </a:p>
           <a:p>
             <a:pPr lvl="0" indent="0" marL="0">
+              <a:spcBef>
+                <a:spcPts val="3000"/>
+              </a:spcBef>
               <a:buNone/>
             </a:pPr>
             <a:r>
               <a:rPr b="1"/>
-              <a:t>Business Unit:</a:t>
-            </a:r>
-            <a:r>
-              <a:rPr/>
-              <a:t> Regional Office Operations</a:t>
-            </a:r>
-          </a:p>
-          <a:p>
-            <a:pPr lvl="0" indent="0" marL="0">
-              <a:buNone/>
-            </a:pPr>
-            <a:r>
-              <a:rPr b="1"/>
-              <a:t>Date:</a:t>
-            </a:r>
-            <a:r>
-              <a:rPr/>
-              <a:t> April 12, 2026</a:t>
+              <a:t>March 20, 2026</a:t>
             </a:r>
           </a:p>
         </p:txBody>
@@ -3546,7 +3531,7 @@
             </a:pPr>
             <a:r>
               <a:rPr/>
-              <a:t>To ensure petty cash funds are kept securely and used for valid business purposes.</a:t>
+              <a:t>To verify the security of petty cash funds and the validity of small-value disbursements.</a:t>
             </a:r>
           </a:p>
           <a:p>
@@ -3567,7 +3552,7 @@
             </a:pPr>
             <a:r>
               <a:rPr/>
-              <a:t>Five regional offices maintain petty cash floats ranging from $500 to $2,000.</a:t>
+              <a:t>15 regional branches maintain petty cash floats ranging from $500 to $2,000.</a:t>
             </a:r>
           </a:p>
           <a:p>
@@ -3588,7 +3573,7 @@
             </a:pPr>
             <a:r>
               <a:rPr/>
-              <a:t>Surprise cash counts and voucher audits across all regional locations.</a:t>
+              <a:t>Surprise cash counts and voucher audits at 5 selected regional branches.</a:t>
             </a:r>
           </a:p>
         </p:txBody>
@@ -3641,7 +3626,7 @@
             </a:pPr>
             <a:r>
               <a:rPr/>
-              <a:t>Observation 1: Commingling of Personal Funds</a:t>
+              <a:t>Observation 1: Missing Reconciliation Logs</a:t>
             </a:r>
           </a:p>
         </p:txBody>
@@ -3676,7 +3661,7 @@
             </a:r>
             <a:r>
               <a:rPr/>
-              <a:t> In the West Office, the petty cash box contained personal checks and ‘IOUs’ from staff.</a:t>
+              <a:t> 3 out of 5 branches visited did not perform weekly cash reconciliations as required by policy.</a:t>
             </a:r>
           </a:p>
           <a:p>
@@ -3689,7 +3674,7 @@
             </a:r>
             <a:r>
               <a:rPr/>
-              <a:t> Use of company funds for personal loans and loss of cash integrity.</a:t>
+              <a:t> Undetected theft or loss of funds; financial reporting inaccuracies.</a:t>
             </a:r>
           </a:p>
           <a:p>
@@ -3719,20 +3704,7 @@
             </a:r>
             <a:r>
               <a:rPr/>
-              <a:t> Strictly prohibit non-business use of the fund and enforce daily logs.</a:t>
-            </a:r>
-          </a:p>
-          <a:p>
-            <a:pPr lvl="0" indent="0" marL="0">
-              <a:buNone/>
-            </a:pPr>
-            <a:r>
-              <a:rPr b="1"/>
-              <a:t>Status:</a:t>
-            </a:r>
-            <a:r>
-              <a:rPr/>
-              <a:t> Open</a:t>
+              <a:t> Mandate a weekly sign-off by the Branch Manager on a standardized cash reconciliation form.</a:t>
             </a:r>
           </a:p>
         </p:txBody>
@@ -3785,7 +3757,7 @@
             </a:pPr>
             <a:r>
               <a:rPr/>
-              <a:t>Observation 2: Missing Custodian Segregation</a:t>
+              <a:t>Observation 2: Commingling of Personal and Company Funds</a:t>
             </a:r>
           </a:p>
         </p:txBody>
@@ -3820,7 +3792,7 @@
             </a:r>
             <a:r>
               <a:rPr/>
-              <a:t> The person who approves the petty cash vouchers is also the one holding the key.</a:t>
+              <a:t> Personal funds and ‘IOU’ notes from employees were found in the petty cash lockbox at one location.</a:t>
             </a:r>
           </a:p>
           <a:p>
@@ -3833,7 +3805,7 @@
             </a:r>
             <a:r>
               <a:rPr/>
-              <a:t> Easy circumvention of controls and risk of undetected theft.</a:t>
+              <a:t> High risk of fraud and lack of accountability for corporate assets.</a:t>
             </a:r>
           </a:p>
           <a:p>
@@ -3850,7 +3822,7 @@
             </a:r>
             <a:r>
               <a:rPr b="1"/>
-              <a:t>FOR IMPROVEMENT</a:t>
+              <a:t>INADEQUATE</a:t>
             </a:r>
           </a:p>
           <a:p>
@@ -3863,20 +3835,7 @@
             </a:r>
             <a:r>
               <a:rPr/>
-              <a:t> Assign a separate manager to approve all vouchers before cash is dispensed.</a:t>
-            </a:r>
-          </a:p>
-          <a:p>
-            <a:pPr lvl="0" indent="0" marL="0">
-              <a:buNone/>
-            </a:pPr>
-            <a:r>
-              <a:rPr b="1"/>
-              <a:t>Status:</a:t>
-            </a:r>
-            <a:r>
-              <a:rPr/>
-              <a:t> In Progress</a:t>
+              <a:t> Strictly prohibit ‘IOUs’ and enforce immediate disciplinary action for commingling of funds.</a:t>
             </a:r>
           </a:p>
         </p:txBody>
@@ -3960,7 +3919,7 @@
             </a:pPr>
             <a:r>
               <a:rPr/>
-              <a:t>Implement a digital petty cash log for real-time tracking.</a:t>
+              <a:t>Standardize petty cash reconciliation templates.</a:t>
             </a:r>
           </a:p>
           <a:p>
@@ -3969,7 +3928,7 @@
             </a:pPr>
             <a:r>
               <a:rPr/>
-              <a:t>Conduct unannounced cash counts quarterly.</a:t>
+              <a:t>Perform monthly unannounced cash counts by Regional Controllers.</a:t>
             </a:r>
           </a:p>
           <a:p>
@@ -3978,7 +3937,7 @@
             </a:pPr>
             <a:r>
               <a:rPr/>
-              <a:t>Reduce the maximum float to $500 to minimize exposure.</a:t>
+              <a:t>Phase out physical petty cash in favor of corporate ‘P-Cards’ for small spend.</a:t>
             </a:r>
           </a:p>
         </p:txBody>
@@ -4122,6 +4081,53 @@
                       </a:pPr>
                       <a:r>
                         <a:rPr/>
+                        <a:t>P-Card Rollout</a:t>
+                      </a:r>
+                    </a:p>
+                  </a:txBody>
+                </a:tc>
+                <a:tc>
+                  <a:txBody>
+                    <a:bodyPr/>
+                    <a:lstStyle/>
+                    <a:p>
+                      <a:pPr lvl="0" indent="0" marL="0" algn="l">
+                        <a:buNone/>
+                      </a:pPr>
+                      <a:r>
+                        <a:rPr/>
+                        <a:t>Finance VP</a:t>
+                      </a:r>
+                    </a:p>
+                  </a:txBody>
+                </a:tc>
+                <a:tc>
+                  <a:txBody>
+                    <a:bodyPr/>
+                    <a:lstStyle/>
+                    <a:p>
+                      <a:pPr lvl="0" indent="0" marL="0" algn="l">
+                        <a:buNone/>
+                      </a:pPr>
+                      <a:r>
+                        <a:rPr/>
+                        <a:t>September 2026</a:t>
+                      </a:r>
+                    </a:p>
+                  </a:txBody>
+                </a:tc>
+              </a:tr>
+              <a:tr h="0">
+                <a:tc>
+                  <a:txBody>
+                    <a:bodyPr/>
+                    <a:lstStyle/>
+                    <a:p>
+                      <a:pPr lvl="0" indent="0" marL="0" algn="l">
+                        <a:buNone/>
+                      </a:pPr>
+                      <a:r>
+                        <a:rPr/>
                         <a:t>Surprise Counts</a:t>
                       </a:r>
                     </a:p>
@@ -4152,7 +4158,7 @@
                       </a:pPr>
                       <a:r>
                         <a:rPr/>
-                        <a:t>Continuous</a:t>
+                        <a:t>Monthly</a:t>
                       </a:r>
                     </a:p>
                   </a:txBody>
@@ -4169,7 +4175,7 @@
                       </a:pPr>
                       <a:r>
                         <a:rPr/>
-                        <a:t>Float Reduction</a:t>
+                        <a:t>Policy Briefing</a:t>
                       </a:r>
                     </a:p>
                   </a:txBody>
@@ -4184,7 +4190,7 @@
                       </a:pPr>
                       <a:r>
                         <a:rPr/>
-                        <a:t>Office Mgr</a:t>
+                        <a:t>Branch Managers</a:t>
                       </a:r>
                     </a:p>
                   </a:txBody>
@@ -4199,54 +4205,7 @@
                       </a:pPr>
                       <a:r>
                         <a:rPr/>
-                        <a:t>May 2026</a:t>
-                      </a:r>
-                    </a:p>
-                  </a:txBody>
-                </a:tc>
-              </a:tr>
-              <a:tr h="0">
-                <a:tc>
-                  <a:txBody>
-                    <a:bodyPr/>
-                    <a:lstStyle/>
-                    <a:p>
-                      <a:pPr lvl="0" indent="0" marL="0" algn="l">
-                        <a:buNone/>
-                      </a:pPr>
-                      <a:r>
-                        <a:rPr/>
-                        <a:t>Digital Logs</a:t>
-                      </a:r>
-                    </a:p>
-                  </a:txBody>
-                </a:tc>
-                <a:tc>
-                  <a:txBody>
-                    <a:bodyPr/>
-                    <a:lstStyle/>
-                    <a:p>
-                      <a:pPr lvl="0" indent="0" marL="0" algn="l">
-                        <a:buNone/>
-                      </a:pPr>
-                      <a:r>
-                        <a:rPr/>
-                        <a:t>Finance IT</a:t>
-                      </a:r>
-                    </a:p>
-                  </a:txBody>
-                </a:tc>
-                <a:tc>
-                  <a:txBody>
-                    <a:bodyPr/>
-                    <a:lstStyle/>
-                    <a:p>
-                      <a:pPr lvl="0" indent="0" marL="0" algn="l">
-                        <a:buNone/>
-                      </a:pPr>
-                      <a:r>
-                        <a:rPr/>
-                        <a:t>July 2026</a:t>
+                        <a:t>April 2026</a:t>
                       </a:r>
                     </a:p>
                   </a:txBody>
